--- a/Documents/TB 2014.11.11.pptx
+++ b/Documents/TB 2014.11.11.pptx
@@ -243,7 +243,7 @@
               <a:pPr>
                 <a:defRPr/>
               </a:pPr>
-              <a:t>23/11/2014</a:t>
+              <a:t>25/11/2014</a:t>
             </a:fld>
             <a:endParaRPr lang="fr-FR"/>
           </a:p>
@@ -8156,27 +8156,11 @@
             </a:r>
             <a:r>
               <a:rPr lang="fr-FR" dirty="0"/>
-              <a:t>du </a:t>
-            </a:r>
-            <a:r>
-              <a:rPr lang="fr-FR" dirty="0"/>
-              <a:t>28/10/14 </a:t>
-            </a:r>
-            <a:r>
-              <a:rPr lang="fr-FR" dirty="0"/>
-              <a:t>au </a:t>
+              <a:t>du 28/10/14 au </a:t>
             </a:r>
             <a:r>
               <a:rPr lang="fr-FR" dirty="0" smtClean="0"/>
-              <a:t>11</a:t>
-            </a:r>
-            <a:r>
-              <a:rPr lang="fr-FR" dirty="0" smtClean="0"/>
-              <a:t>/11/14</a:t>
-            </a:r>
-            <a:r>
-              <a:rPr lang="fr-FR" dirty="0" smtClean="0"/>
-              <a:t/>
+              <a:t>11/11/14</a:t>
             </a:r>
             <a:br>
               <a:rPr lang="fr-FR" dirty="0" smtClean="0"/>
@@ -8224,7 +8208,7 @@
             <p:ph idx="1"/>
             <p:extLst>
               <p:ext uri="{D42A27DB-BD31-4B8C-83A1-F6EECF244321}">
-                <p14:modId xmlns:p14="http://schemas.microsoft.com/office/powerpoint/2010/main" val="1706678600"/>
+                <p14:modId xmlns:p14="http://schemas.microsoft.com/office/powerpoint/2010/main" val="1847205069"/>
               </p:ext>
             </p:extLst>
           </p:nvPr>
@@ -8491,7 +8475,15 @@
                       </a:pPr>
                       <a:r>
                         <a:rPr lang="fr-FR" sz="1400" b="0" i="0" baseline="0" noProof="0" dirty="0" smtClean="0"/>
-                        <a:t>- Mise en place de l’environnement de test : 5j/h</a:t>
+                        <a:t>- Mise </a:t>
+                      </a:r>
+                      <a:r>
+                        <a:rPr lang="fr-FR" sz="1400" b="0" i="0" baseline="0" noProof="0" dirty="0" smtClean="0"/>
+                        <a:t>en place de l’environnement de test : </a:t>
+                      </a:r>
+                      <a:r>
+                        <a:rPr lang="fr-FR" sz="1400" b="0" i="0" baseline="0" noProof="0" dirty="0" smtClean="0"/>
+                        <a:t>5j/h</a:t>
                       </a:r>
                     </a:p>
                     <a:p>
@@ -8514,32 +8506,12 @@
                       </a:pPr>
                       <a:r>
                         <a:rPr lang="fr-FR" sz="1400" b="0" i="0" baseline="0" noProof="0" dirty="0" smtClean="0"/>
-                        <a:t>- Rédiger un manuel utilisateur pour le test du serveur : 1j/h</a:t>
+                        <a:t>- Rédaction du compte rendu </a:t>
                       </a:r>
-                    </a:p>
-                    <a:p>
-                      <a:pPr marL="0" marR="0" indent="0" algn="l" defTabSz="914400" rtl="0" eaLnBrk="1" fontAlgn="auto" latinLnBrk="0" hangingPunct="1">
-                        <a:lnSpc>
-                          <a:spcPct val="100000"/>
-                        </a:lnSpc>
-                        <a:spcBef>
-                          <a:spcPts val="0"/>
-                        </a:spcBef>
-                        <a:spcAft>
-                          <a:spcPts val="0"/>
-                        </a:spcAft>
-                        <a:buClrTx/>
-                        <a:buSzTx/>
-                        <a:buFontTx/>
-                        <a:buNone/>
-                        <a:tabLst/>
-                        <a:defRPr/>
-                      </a:pPr>
                       <a:r>
                         <a:rPr lang="fr-FR" sz="1400" b="0" i="0" baseline="0" noProof="0" dirty="0" smtClean="0"/>
-                        <a:t>- CR à effectuer : 1j/h</a:t>
+                        <a:t>: 1j/h</a:t>
                       </a:r>
-                      <a:endParaRPr lang="fr-FR" sz="1400" b="0" i="0" baseline="0" noProof="0" dirty="0" smtClean="0"/>
                     </a:p>
                   </a:txBody>
                   <a:tcPr>
@@ -8628,7 +8600,15 @@
                       </a:pPr>
                       <a:r>
                         <a:rPr lang="fr-FR" sz="1400" b="0" i="0" baseline="0" noProof="0" dirty="0" smtClean="0"/>
-                        <a:t>- Rédaction du WBS : 1j/h</a:t>
+                        <a:t>- Rédaction </a:t>
+                      </a:r>
+                      <a:r>
+                        <a:rPr lang="fr-FR" sz="1400" b="0" i="0" baseline="0" noProof="0" dirty="0" smtClean="0"/>
+                        <a:t>du WBS : </a:t>
+                      </a:r>
+                      <a:r>
+                        <a:rPr lang="fr-FR" sz="1400" b="0" i="0" baseline="0" noProof="0" dirty="0" smtClean="0"/>
+                        <a:t>1j/h</a:t>
                       </a:r>
                     </a:p>
                     <a:p>
@@ -8651,7 +8631,11 @@
                       </a:pPr>
                       <a:r>
                         <a:rPr lang="fr-FR" sz="1400" b="0" i="0" baseline="0" noProof="0" dirty="0" smtClean="0"/>
-                        <a:t>- Réunion avec le client le 14/11/14 </a:t>
+                        <a:t>- </a:t>
+                      </a:r>
+                      <a:r>
+                        <a:rPr lang="fr-FR" sz="1400" b="0" i="0" baseline="0" noProof="0" dirty="0" smtClean="0"/>
+                        <a:t>Conception architectural : 7j/h</a:t>
                       </a:r>
                     </a:p>
                     <a:p>
@@ -8674,7 +8658,15 @@
                       </a:pPr>
                       <a:r>
                         <a:rPr lang="fr-FR" sz="1400" b="0" i="0" baseline="0" noProof="0" dirty="0" smtClean="0"/>
-                        <a:t>- Conception architectural : 7j/h</a:t>
+                        <a:t>- Mise </a:t>
+                      </a:r>
+                      <a:r>
+                        <a:rPr lang="fr-FR" sz="1400" b="0" i="0" baseline="0" noProof="0" dirty="0" smtClean="0"/>
+                        <a:t>en place des prototypes : </a:t>
+                      </a:r>
+                      <a:r>
+                        <a:rPr lang="fr-FR" sz="1400" b="0" i="0" baseline="0" noProof="0" dirty="0" smtClean="0"/>
+                        <a:t>6j/h</a:t>
                       </a:r>
                     </a:p>
                     <a:p>
@@ -8697,8 +8689,32 @@
                       </a:pPr>
                       <a:r>
                         <a:rPr lang="fr-FR" sz="1400" b="0" i="0" baseline="0" noProof="0" dirty="0" smtClean="0"/>
-                        <a:t>- Mise en place des prototypes : 6j/h</a:t>
+                        <a:t>- Rédiger un manuel utilisateur pour le test du serveur : 1j/h</a:t>
                       </a:r>
+                    </a:p>
+                    <a:p>
+                      <a:pPr marL="0" marR="0" indent="0" algn="l" defTabSz="914400" rtl="0" eaLnBrk="1" fontAlgn="auto" latinLnBrk="0" hangingPunct="1">
+                        <a:lnSpc>
+                          <a:spcPct val="100000"/>
+                        </a:lnSpc>
+                        <a:spcBef>
+                          <a:spcPts val="0"/>
+                        </a:spcBef>
+                        <a:spcAft>
+                          <a:spcPts val="0"/>
+                        </a:spcAft>
+                        <a:buClrTx/>
+                        <a:buSzTx/>
+                        <a:buFontTx/>
+                        <a:buNone/>
+                        <a:tabLst/>
+                        <a:defRPr/>
+                      </a:pPr>
+                      <a:r>
+                        <a:rPr lang="fr-FR" sz="1400" b="0" i="0" baseline="0" noProof="0" dirty="0" smtClean="0"/>
+                        <a:t>- Réunion avec le client le 14/11/14</a:t>
+                      </a:r>
+                      <a:endParaRPr lang="fr-FR" sz="1400" b="0" i="0" baseline="0" noProof="0" dirty="0" smtClean="0"/>
                     </a:p>
                     <a:p>
                       <a:pPr marL="0" marR="0" indent="0" algn="l" defTabSz="914400" rtl="0" eaLnBrk="1" fontAlgn="auto" latinLnBrk="0" hangingPunct="1">
@@ -9314,11 +9330,7 @@
             </a:r>
             <a:r>
               <a:rPr lang="fr-FR" dirty="0"/>
-              <a:t>du </a:t>
-            </a:r>
-            <a:r>
-              <a:rPr lang="fr-FR" dirty="0"/>
-              <a:t>28/10/14 au 11/11/14</a:t>
+              <a:t>du 28/10/14 au 11/11/14</a:t>
             </a:r>
             <a:r>
               <a:rPr lang="en-GB" dirty="0"/>
@@ -9369,14 +9381,14 @@
           <p:nvPr>
             <p:extLst>
               <p:ext uri="{D42A27DB-BD31-4B8C-83A1-F6EECF244321}">
-                <p14:modId xmlns:p14="http://schemas.microsoft.com/office/powerpoint/2010/main" val="424005613"/>
+                <p14:modId xmlns:p14="http://schemas.microsoft.com/office/powerpoint/2010/main" val="108524147"/>
               </p:ext>
             </p:extLst>
           </p:nvPr>
         </p:nvGraphicFramePr>
         <p:xfrm>
           <a:off x="395538" y="1628798"/>
-          <a:ext cx="8424934" cy="4394448"/>
+          <a:ext cx="8424934" cy="3689334"/>
         </p:xfrm>
         <a:graphic>
           <a:graphicData uri="http://schemas.openxmlformats.org/drawingml/2006/table">
@@ -9660,7 +9672,7 @@
                     <a:p>
                       <a:r>
                         <a:rPr lang="fr-FR" sz="1400" b="0" i="0" baseline="0" noProof="0" dirty="0" smtClean="0"/>
-                        <a:t>Maintenir le tableau de bord </a:t>
+                        <a:t>Etablir une grille de lecture</a:t>
                       </a:r>
                       <a:endParaRPr lang="fr-FR" sz="1400" dirty="0">
                         <a:solidFill>
@@ -9712,6 +9724,16 @@
                             <a:schemeClr val="tx1"/>
                           </a:solidFill>
                         </a:rPr>
+                        <a:t>T. Fleury</a:t>
+                      </a:r>
+                    </a:p>
+                    <a:p>
+                      <a:r>
+                        <a:rPr lang="fr-FR" sz="1400" dirty="0" smtClean="0">
+                          <a:solidFill>
+                            <a:schemeClr val="tx1"/>
+                          </a:solidFill>
+                        </a:rPr>
                         <a:t>A. </a:t>
                       </a:r>
                       <a:r>
@@ -9824,7 +9846,7 @@
                             <a:schemeClr val="tx1"/>
                           </a:solidFill>
                         </a:rPr>
-                        <a:t>Etablir un bilan du travail réalisé depuis le 28/10/14</a:t>
+                        <a:t>Conception architecturale</a:t>
                       </a:r>
                       <a:endParaRPr lang="fr-FR" sz="1400" dirty="0">
                         <a:solidFill>
@@ -9846,7 +9868,29 @@
                             <a:schemeClr val="tx1"/>
                           </a:solidFill>
                         </a:rPr>
-                        <a:t>S.</a:t>
+                        <a:t>T. Fleury</a:t>
+                      </a:r>
+                      <a:endParaRPr lang="fr-FR" sz="1400" dirty="0" smtClean="0">
+                        <a:solidFill>
+                          <a:schemeClr val="tx1"/>
+                        </a:solidFill>
+                      </a:endParaRPr>
+                    </a:p>
+                  </a:txBody>
+                  <a:tcPr/>
+                </a:tc>
+                <a:tc>
+                  <a:txBody>
+                    <a:bodyPr/>
+                    <a:lstStyle/>
+                    <a:p>
+                      <a:r>
+                        <a:rPr lang="fr-FR" sz="1400" dirty="0" smtClean="0">
+                          <a:solidFill>
+                            <a:schemeClr val="tx1"/>
+                          </a:solidFill>
+                        </a:rPr>
+                        <a:t>T.</a:t>
                       </a:r>
                       <a:r>
                         <a:rPr lang="fr-FR" sz="1400" baseline="0" dirty="0" smtClean="0">
@@ -9854,21 +9898,8 @@
                             <a:schemeClr val="tx1"/>
                           </a:solidFill>
                         </a:rPr>
-                        <a:t> </a:t>
+                        <a:t> Fleury</a:t>
                       </a:r>
-                      <a:r>
-                        <a:rPr lang="fr-FR" sz="1400" baseline="0" dirty="0" err="1" smtClean="0">
-                          <a:solidFill>
-                            <a:schemeClr val="tx1"/>
-                          </a:solidFill>
-                        </a:rPr>
-                        <a:t>Labassi</a:t>
-                      </a:r>
-                      <a:endParaRPr lang="fr-FR" sz="1400" baseline="0" dirty="0" smtClean="0">
-                        <a:solidFill>
-                          <a:schemeClr val="tx1"/>
-                        </a:solidFill>
-                      </a:endParaRPr>
                     </a:p>
                     <a:p>
                       <a:r>
@@ -9877,45 +9908,7 @@
                             <a:schemeClr val="tx1"/>
                           </a:solidFill>
                         </a:rPr>
-                        <a:t>A. </a:t>
-                      </a:r>
-                      <a:r>
-                        <a:rPr lang="fr-FR" sz="1400" baseline="0" dirty="0" err="1" smtClean="0">
-                          <a:solidFill>
-                            <a:schemeClr val="tx1"/>
-                          </a:solidFill>
-                        </a:rPr>
-                        <a:t>Lavaire</a:t>
-                      </a:r>
-                      <a:endParaRPr lang="fr-FR" sz="1400" dirty="0" smtClean="0">
-                        <a:solidFill>
-                          <a:schemeClr val="tx1"/>
-                        </a:solidFill>
-                      </a:endParaRPr>
-                    </a:p>
-                  </a:txBody>
-                  <a:tcPr/>
-                </a:tc>
-                <a:tc>
-                  <a:txBody>
-                    <a:bodyPr/>
-                    <a:lstStyle/>
-                    <a:p>
-                      <a:r>
-                        <a:rPr lang="fr-FR" sz="1400" dirty="0" smtClean="0">
-                          <a:solidFill>
-                            <a:schemeClr val="tx1"/>
-                          </a:solidFill>
-                        </a:rPr>
-                        <a:t>S.</a:t>
-                      </a:r>
-                      <a:r>
-                        <a:rPr lang="fr-FR" sz="1400" baseline="0" dirty="0" smtClean="0">
-                          <a:solidFill>
-                            <a:schemeClr val="tx1"/>
-                          </a:solidFill>
-                        </a:rPr>
-                        <a:t> </a:t>
+                        <a:t>S. </a:t>
                       </a:r>
                       <a:r>
                         <a:rPr lang="fr-FR" sz="1400" baseline="0" dirty="0" err="1" smtClean="0">
@@ -10054,220 +10047,6 @@
                             <a:schemeClr val="tx1"/>
                           </a:solidFill>
                         </a:rPr>
-                        <a:t>Tester les logiciels</a:t>
-                      </a:r>
-                      <a:endParaRPr lang="fr-FR" sz="1400" dirty="0">
-                        <a:solidFill>
-                          <a:schemeClr val="tx1"/>
-                        </a:solidFill>
-                      </a:endParaRPr>
-                    </a:p>
-                  </a:txBody>
-                  <a:tcPr/>
-                </a:tc>
-                <a:tc>
-                  <a:txBody>
-                    <a:bodyPr/>
-                    <a:lstStyle/>
-                    <a:p>
-                      <a:r>
-                        <a:rPr lang="fr-FR" sz="1400" dirty="0" smtClean="0">
-                          <a:solidFill>
-                            <a:schemeClr val="tx1"/>
-                          </a:solidFill>
-                        </a:rPr>
-                        <a:t>A. </a:t>
-                      </a:r>
-                      <a:r>
-                        <a:rPr lang="fr-FR" sz="1400" dirty="0" err="1" smtClean="0">
-                          <a:solidFill>
-                            <a:schemeClr val="tx1"/>
-                          </a:solidFill>
-                        </a:rPr>
-                        <a:t>Lavaire</a:t>
-                      </a:r>
-                      <a:endParaRPr lang="fr-FR" sz="1400" dirty="0" smtClean="0">
-                        <a:solidFill>
-                          <a:schemeClr val="tx1"/>
-                        </a:solidFill>
-                      </a:endParaRPr>
-                    </a:p>
-                    <a:p>
-                      <a:pPr marL="0" marR="0" indent="0" algn="l" defTabSz="914400" rtl="0" eaLnBrk="1" fontAlgn="auto" latinLnBrk="0" hangingPunct="1">
-                        <a:lnSpc>
-                          <a:spcPct val="100000"/>
-                        </a:lnSpc>
-                        <a:spcBef>
-                          <a:spcPts val="0"/>
-                        </a:spcBef>
-                        <a:spcAft>
-                          <a:spcPts val="0"/>
-                        </a:spcAft>
-                        <a:buClrTx/>
-                        <a:buSzTx/>
-                        <a:buFontTx/>
-                        <a:buNone/>
-                        <a:tabLst/>
-                        <a:defRPr/>
-                      </a:pPr>
-                      <a:r>
-                        <a:rPr lang="fr-FR" sz="1400" dirty="0" smtClean="0">
-                          <a:solidFill>
-                            <a:schemeClr val="tx1"/>
-                          </a:solidFill>
-                        </a:rPr>
-                        <a:t>T. Fleury</a:t>
-                      </a:r>
-                    </a:p>
-                  </a:txBody>
-                  <a:tcPr/>
-                </a:tc>
-                <a:tc>
-                  <a:txBody>
-                    <a:bodyPr/>
-                    <a:lstStyle/>
-                    <a:p>
-                      <a:r>
-                        <a:rPr lang="fr-FR" sz="1400" dirty="0" smtClean="0">
-                          <a:solidFill>
-                            <a:schemeClr val="tx1"/>
-                          </a:solidFill>
-                        </a:rPr>
-                        <a:t>A. </a:t>
-                      </a:r>
-                      <a:r>
-                        <a:rPr lang="fr-FR" sz="1400" dirty="0" err="1" smtClean="0">
-                          <a:solidFill>
-                            <a:schemeClr val="tx1"/>
-                          </a:solidFill>
-                        </a:rPr>
-                        <a:t>Lavaire</a:t>
-                      </a:r>
-                      <a:endParaRPr lang="fr-FR" sz="1400" dirty="0" smtClean="0">
-                        <a:solidFill>
-                          <a:schemeClr val="tx1"/>
-                        </a:solidFill>
-                      </a:endParaRPr>
-                    </a:p>
-                    <a:p>
-                      <a:pPr marL="0" marR="0" indent="0" algn="l" defTabSz="914400" rtl="0" eaLnBrk="1" fontAlgn="auto" latinLnBrk="0" hangingPunct="1">
-                        <a:lnSpc>
-                          <a:spcPct val="100000"/>
-                        </a:lnSpc>
-                        <a:spcBef>
-                          <a:spcPts val="0"/>
-                        </a:spcBef>
-                        <a:spcAft>
-                          <a:spcPts val="0"/>
-                        </a:spcAft>
-                        <a:buClrTx/>
-                        <a:buSzTx/>
-                        <a:buFontTx/>
-                        <a:buNone/>
-                        <a:tabLst/>
-                        <a:defRPr/>
-                      </a:pPr>
-                      <a:r>
-                        <a:rPr lang="fr-FR" sz="1400" dirty="0" smtClean="0">
-                          <a:solidFill>
-                            <a:schemeClr val="tx1"/>
-                          </a:solidFill>
-                        </a:rPr>
-                        <a:t>T. Fleury</a:t>
-                      </a:r>
-                    </a:p>
-                  </a:txBody>
-                  <a:tcPr/>
-                </a:tc>
-                <a:tc>
-                  <a:txBody>
-                    <a:bodyPr/>
-                    <a:lstStyle/>
-                    <a:p>
-                      <a:endParaRPr lang="fr-FR" sz="1400" dirty="0">
-                        <a:solidFill>
-                          <a:schemeClr val="tx1"/>
-                        </a:solidFill>
-                      </a:endParaRPr>
-                    </a:p>
-                  </a:txBody>
-                  <a:tcPr/>
-                </a:tc>
-                <a:tc>
-                  <a:txBody>
-                    <a:bodyPr/>
-                    <a:lstStyle/>
-                    <a:p>
-                      <a:r>
-                        <a:rPr lang="fr-FR" sz="1400" dirty="0" smtClean="0">
-                          <a:solidFill>
-                            <a:schemeClr val="tx1"/>
-                          </a:solidFill>
-                        </a:rPr>
-                        <a:t>11/11/14</a:t>
-                      </a:r>
-                      <a:endParaRPr lang="fr-FR" sz="1400" dirty="0">
-                        <a:solidFill>
-                          <a:schemeClr val="tx1"/>
-                        </a:solidFill>
-                      </a:endParaRPr>
-                    </a:p>
-                  </a:txBody>
-                  <a:tcPr/>
-                </a:tc>
-                <a:tc>
-                  <a:txBody>
-                    <a:bodyPr/>
-                    <a:lstStyle/>
-                    <a:p>
-                      <a:r>
-                        <a:rPr lang="fr-FR" sz="1400" dirty="0" smtClean="0"/>
-                        <a:t>11/11/14</a:t>
-                      </a:r>
-                      <a:endParaRPr lang="fr-FR" sz="1400" dirty="0">
-                        <a:solidFill>
-                          <a:schemeClr val="tx1"/>
-                        </a:solidFill>
-                      </a:endParaRPr>
-                    </a:p>
-                  </a:txBody>
-                  <a:tcPr/>
-                </a:tc>
-                <a:tc>
-                  <a:txBody>
-                    <a:bodyPr/>
-                    <a:lstStyle/>
-                    <a:p>
-                      <a:r>
-                        <a:rPr lang="fr-FR" sz="1400" dirty="0" smtClean="0">
-                          <a:solidFill>
-                            <a:schemeClr val="tx1"/>
-                          </a:solidFill>
-                        </a:rPr>
-                        <a:t>100%</a:t>
-                      </a:r>
-                      <a:endParaRPr lang="fr-FR" sz="1400" dirty="0">
-                        <a:solidFill>
-                          <a:schemeClr val="tx1"/>
-                        </a:solidFill>
-                      </a:endParaRPr>
-                    </a:p>
-                  </a:txBody>
-                  <a:tcPr/>
-                </a:tc>
-              </a:tr>
-              <a:tr h="400314">
-                <a:tc>
-                  <a:txBody>
-                    <a:bodyPr/>
-                    <a:lstStyle/>
-                    <a:p>
-                      <a:r>
-                        <a:rPr lang="fr-FR" sz="1400" dirty="0" smtClean="0">
-                          <a:solidFill>
-                            <a:schemeClr val="tx1"/>
-                          </a:solidFill>
-                        </a:rPr>
                         <a:t>Mise en place de l’environnement de test</a:t>
                       </a:r>
                       <a:endParaRPr lang="fr-FR" sz="1400" dirty="0">
@@ -10299,6 +10078,28 @@
                           </a:solidFill>
                         </a:rPr>
                         <a:t>Fleury</a:t>
+                      </a:r>
+                      <a:endParaRPr lang="fr-FR" sz="1400" dirty="0" smtClean="0">
+                        <a:solidFill>
+                          <a:schemeClr val="tx1"/>
+                        </a:solidFill>
+                      </a:endParaRPr>
+                    </a:p>
+                  </a:txBody>
+                  <a:tcPr/>
+                </a:tc>
+                <a:tc>
+                  <a:txBody>
+                    <a:bodyPr/>
+                    <a:lstStyle/>
+                    <a:p>
+                      <a:r>
+                        <a:rPr lang="fr-FR" sz="1400" dirty="0" smtClean="0">
+                          <a:solidFill>
+                            <a:schemeClr val="tx1"/>
+                          </a:solidFill>
+                        </a:rPr>
+                        <a:t>T. Fleury</a:t>
                       </a:r>
                     </a:p>
                     <a:p>
@@ -10341,31 +10142,6 @@
                         </a:solidFill>
                       </a:endParaRPr>
                     </a:p>
-                  </a:txBody>
-                  <a:tcPr/>
-                </a:tc>
-                <a:tc>
-                  <a:txBody>
-                    <a:bodyPr/>
-                    <a:lstStyle/>
-                    <a:p>
-                      <a:r>
-                        <a:rPr lang="fr-FR" sz="1400" dirty="0" smtClean="0">
-                          <a:solidFill>
-                            <a:schemeClr val="tx1"/>
-                          </a:solidFill>
-                        </a:rPr>
-                        <a:t>T. </a:t>
-                      </a:r>
-                      <a:r>
-                        <a:rPr lang="fr-FR" sz="1400" dirty="0" smtClean="0">
-                          <a:solidFill>
-                            <a:schemeClr val="tx1"/>
-                          </a:solidFill>
-                        </a:rPr>
-                        <a:t>Fleury</a:t>
-                      </a:r>
-                    </a:p>
                     <a:p>
                       <a:pPr marL="0" marR="0" indent="0" algn="l" defTabSz="914400" rtl="0" eaLnBrk="1" fontAlgn="auto" latinLnBrk="0" hangingPunct="1">
                         <a:lnSpc>
@@ -10390,7 +10166,7 @@
                             <a:schemeClr val="tx1"/>
                           </a:solidFill>
                         </a:rPr>
-                        <a:t>S. </a:t>
+                        <a:t>A. </a:t>
                       </a:r>
                       <a:r>
                         <a:rPr lang="fr-FR" sz="1400" dirty="0" err="1" smtClean="0">
@@ -10398,7 +10174,7 @@
                             <a:schemeClr val="tx1"/>
                           </a:solidFill>
                         </a:rPr>
-                        <a:t>Labassi</a:t>
+                        <a:t>Lavaire</a:t>
                       </a:r>
                       <a:endParaRPr lang="fr-FR" sz="1400" dirty="0" smtClean="0">
                         <a:solidFill>
@@ -10414,6 +10190,14 @@
                     <a:bodyPr/>
                     <a:lstStyle/>
                     <a:p>
+                      <a:r>
+                        <a:rPr lang="fr-FR" sz="1400" dirty="0" smtClean="0">
+                          <a:solidFill>
+                            <a:schemeClr val="tx1"/>
+                          </a:solidFill>
+                        </a:rPr>
+                        <a:t>28/10/14</a:t>
+                      </a:r>
                       <a:endParaRPr lang="fr-FR" sz="1400" dirty="0">
                         <a:solidFill>
                           <a:schemeClr val="tx1"/>
@@ -10474,7 +10258,7 @@
                             <a:schemeClr val="tx1"/>
                           </a:solidFill>
                         </a:rPr>
-                        <a:t>100%</a:t>
+                        <a:t>67%</a:t>
                       </a:r>
                       <a:endParaRPr lang="fr-FR" sz="1400" dirty="0">
                         <a:solidFill>
@@ -10498,23 +10282,29 @@
                             <a:schemeClr val="tx1"/>
                           </a:solidFill>
                         </a:rPr>
-                        <a:t>Rédiger un manuel</a:t>
+                        <a:t>Mise en place des prototypes</a:t>
                       </a:r>
-                      <a:r>
-                        <a:rPr lang="fr-FR" sz="1400" baseline="0" dirty="0" smtClean="0">
-                          <a:solidFill>
-                            <a:schemeClr val="tx1"/>
-                          </a:solidFill>
-                        </a:rPr>
-                        <a:t> utilisateur </a:t>
-                      </a:r>
+                      <a:endParaRPr lang="fr-FR" sz="1400" dirty="0">
+                        <a:solidFill>
+                          <a:schemeClr val="tx1"/>
+                        </a:solidFill>
+                      </a:endParaRPr>
+                    </a:p>
+                  </a:txBody>
+                  <a:tcPr/>
+                </a:tc>
+                <a:tc>
+                  <a:txBody>
+                    <a:bodyPr/>
+                    <a:lstStyle/>
+                    <a:p>
                       <a:r>
                         <a:rPr lang="fr-FR" sz="1400" dirty="0" smtClean="0">
                           <a:solidFill>
                             <a:schemeClr val="tx1"/>
                           </a:solidFill>
                         </a:rPr>
-                        <a:t>pour le test du serveur</a:t>
+                        <a:t>T. Fleury</a:t>
                       </a:r>
                       <a:endParaRPr lang="fr-FR" sz="1400" dirty="0">
                         <a:solidFill>
@@ -10536,15 +10326,7 @@
                             <a:schemeClr val="tx1"/>
                           </a:solidFill>
                         </a:rPr>
-                        <a:t>S. </a:t>
-                      </a:r>
-                      <a:r>
-                        <a:rPr lang="fr-FR" sz="1400" dirty="0" err="1" smtClean="0">
-                          <a:solidFill>
-                            <a:schemeClr val="tx1"/>
-                          </a:solidFill>
-                        </a:rPr>
-                        <a:t>Labassi</a:t>
+                        <a:t>T. Fleury</a:t>
                       </a:r>
                       <a:endParaRPr lang="fr-FR" sz="1400" dirty="0">
                         <a:solidFill>
@@ -10566,30 +10348,8 @@
                             <a:schemeClr val="tx1"/>
                           </a:solidFill>
                         </a:rPr>
-                        <a:t>S. </a:t>
+                        <a:t>28/10/14</a:t>
                       </a:r>
-                      <a:r>
-                        <a:rPr lang="fr-FR" sz="1400" dirty="0" err="1" smtClean="0">
-                          <a:solidFill>
-                            <a:schemeClr val="tx1"/>
-                          </a:solidFill>
-                        </a:rPr>
-                        <a:t>Labassi</a:t>
-                      </a:r>
-                      <a:endParaRPr lang="fr-FR" sz="1400" dirty="0">
-                        <a:solidFill>
-                          <a:schemeClr val="tx1"/>
-                        </a:solidFill>
-                      </a:endParaRPr>
-                    </a:p>
-                  </a:txBody>
-                  <a:tcPr/>
-                </a:tc>
-                <a:tc>
-                  <a:txBody>
-                    <a:bodyPr/>
-                    <a:lstStyle/>
-                    <a:p>
                       <a:endParaRPr lang="fr-FR" sz="1400" dirty="0">
                         <a:solidFill>
                           <a:schemeClr val="tx1"/>
@@ -10650,7 +10410,15 @@
                             <a:schemeClr val="tx1"/>
                           </a:solidFill>
                         </a:rPr>
-                        <a:t>100%</a:t>
+                        <a:t>80</a:t>
+                      </a:r>
+                      <a:r>
+                        <a:rPr lang="fr-FR" sz="1400" dirty="0" smtClean="0">
+                          <a:solidFill>
+                            <a:schemeClr val="tx1"/>
+                          </a:solidFill>
+                        </a:rPr>
+                        <a:t>%</a:t>
                       </a:r>
                       <a:endParaRPr lang="fr-FR" sz="1400" dirty="0">
                         <a:solidFill>
@@ -10668,6 +10436,34 @@
                     <a:bodyPr/>
                     <a:lstStyle/>
                     <a:p>
+                      <a:endParaRPr lang="fr-FR" sz="1400" dirty="0">
+                        <a:solidFill>
+                          <a:schemeClr val="tx1"/>
+                        </a:solidFill>
+                      </a:endParaRPr>
+                    </a:p>
+                  </a:txBody>
+                  <a:tcPr/>
+                </a:tc>
+                <a:tc>
+                  <a:txBody>
+                    <a:bodyPr/>
+                    <a:lstStyle/>
+                    <a:p>
+                      <a:endParaRPr lang="fr-FR" sz="1400" dirty="0">
+                        <a:solidFill>
+                          <a:schemeClr val="tx1"/>
+                        </a:solidFill>
+                      </a:endParaRPr>
+                    </a:p>
+                  </a:txBody>
+                  <a:tcPr/>
+                </a:tc>
+                <a:tc>
+                  <a:txBody>
+                    <a:bodyPr/>
+                    <a:lstStyle/>
+                    <a:p>
                       <a:endParaRPr lang="fr-FR" sz="1400">
                         <a:solidFill>
                           <a:schemeClr val="tx1"/>
@@ -10682,6 +10478,20 @@
                     <a:bodyPr/>
                     <a:lstStyle/>
                     <a:p>
+                      <a:endParaRPr lang="fr-FR" sz="1400" dirty="0">
+                        <a:solidFill>
+                          <a:schemeClr val="tx1"/>
+                        </a:solidFill>
+                      </a:endParaRPr>
+                    </a:p>
+                  </a:txBody>
+                  <a:tcPr/>
+                </a:tc>
+                <a:tc>
+                  <a:txBody>
+                    <a:bodyPr/>
+                    <a:lstStyle/>
+                    <a:p>
                       <a:endParaRPr lang="fr-FR" sz="1400">
                         <a:solidFill>
                           <a:schemeClr val="tx1"/>
@@ -10696,149 +10506,7 @@
                     <a:bodyPr/>
                     <a:lstStyle/>
                     <a:p>
-                      <a:endParaRPr lang="fr-FR" sz="1400">
-                        <a:solidFill>
-                          <a:schemeClr val="tx1"/>
-                        </a:solidFill>
-                      </a:endParaRPr>
-                    </a:p>
-                  </a:txBody>
-                  <a:tcPr/>
-                </a:tc>
-                <a:tc>
-                  <a:txBody>
-                    <a:bodyPr/>
-                    <a:lstStyle/>
-                    <a:p>
-                      <a:endParaRPr lang="fr-FR" sz="1400">
-                        <a:solidFill>
-                          <a:schemeClr val="tx1"/>
-                        </a:solidFill>
-                      </a:endParaRPr>
-                    </a:p>
-                  </a:txBody>
-                  <a:tcPr/>
-                </a:tc>
-                <a:tc>
-                  <a:txBody>
-                    <a:bodyPr/>
-                    <a:lstStyle/>
-                    <a:p>
-                      <a:endParaRPr lang="fr-FR" sz="1400">
-                        <a:solidFill>
-                          <a:schemeClr val="tx1"/>
-                        </a:solidFill>
-                      </a:endParaRPr>
-                    </a:p>
-                  </a:txBody>
-                  <a:tcPr/>
-                </a:tc>
-                <a:tc>
-                  <a:txBody>
-                    <a:bodyPr/>
-                    <a:lstStyle/>
-                    <a:p>
-                      <a:endParaRPr lang="fr-FR" sz="1400">
-                        <a:solidFill>
-                          <a:schemeClr val="tx1"/>
-                        </a:solidFill>
-                      </a:endParaRPr>
-                    </a:p>
-                  </a:txBody>
-                  <a:tcPr/>
-                </a:tc>
-                <a:tc>
-                  <a:txBody>
-                    <a:bodyPr/>
-                    <a:lstStyle/>
-                    <a:p>
                       <a:endParaRPr lang="fr-FR" sz="1400" dirty="0">
-                        <a:solidFill>
-                          <a:schemeClr val="tx1"/>
-                        </a:solidFill>
-                      </a:endParaRPr>
-                    </a:p>
-                  </a:txBody>
-                  <a:tcPr/>
-                </a:tc>
-              </a:tr>
-              <a:tr h="400314">
-                <a:tc>
-                  <a:txBody>
-                    <a:bodyPr/>
-                    <a:lstStyle/>
-                    <a:p>
-                      <a:endParaRPr lang="fr-FR" sz="1400" dirty="0">
-                        <a:solidFill>
-                          <a:schemeClr val="tx1"/>
-                        </a:solidFill>
-                      </a:endParaRPr>
-                    </a:p>
-                  </a:txBody>
-                  <a:tcPr/>
-                </a:tc>
-                <a:tc>
-                  <a:txBody>
-                    <a:bodyPr/>
-                    <a:lstStyle/>
-                    <a:p>
-                      <a:endParaRPr lang="fr-FR" sz="1400">
-                        <a:solidFill>
-                          <a:schemeClr val="tx1"/>
-                        </a:solidFill>
-                      </a:endParaRPr>
-                    </a:p>
-                  </a:txBody>
-                  <a:tcPr/>
-                </a:tc>
-                <a:tc>
-                  <a:txBody>
-                    <a:bodyPr/>
-                    <a:lstStyle/>
-                    <a:p>
-                      <a:endParaRPr lang="fr-FR" sz="1400">
-                        <a:solidFill>
-                          <a:schemeClr val="tx1"/>
-                        </a:solidFill>
-                      </a:endParaRPr>
-                    </a:p>
-                  </a:txBody>
-                  <a:tcPr/>
-                </a:tc>
-                <a:tc>
-                  <a:txBody>
-                    <a:bodyPr/>
-                    <a:lstStyle/>
-                    <a:p>
-                      <a:endParaRPr lang="fr-FR" sz="1400">
-                        <a:solidFill>
-                          <a:schemeClr val="tx1"/>
-                        </a:solidFill>
-                      </a:endParaRPr>
-                    </a:p>
-                  </a:txBody>
-                  <a:tcPr/>
-                </a:tc>
-                <a:tc>
-                  <a:txBody>
-                    <a:bodyPr/>
-                    <a:lstStyle/>
-                    <a:p>
-                      <a:endParaRPr lang="fr-FR" sz="1400">
-                        <a:solidFill>
-                          <a:schemeClr val="tx1"/>
-                        </a:solidFill>
-                      </a:endParaRPr>
-                    </a:p>
-                  </a:txBody>
-                  <a:tcPr/>
-                </a:tc>
-                <a:tc>
-                  <a:txBody>
-                    <a:bodyPr/>
-                    <a:lstStyle/>
-                    <a:p>
-                      <a:endParaRPr lang="fr-FR" sz="1400">
                         <a:solidFill>
                           <a:schemeClr val="tx1"/>
                         </a:solidFill>
@@ -10971,15 +10639,7 @@
           <a:p>
             <a:r>
               <a:rPr lang="fr-FR" dirty="0" smtClean="0"/>
-              <a:t>Avancement des livrables au </a:t>
-            </a:r>
-            <a:r>
-              <a:rPr lang="fr-FR" dirty="0" smtClean="0"/>
-              <a:t>11</a:t>
-            </a:r>
-            <a:r>
-              <a:rPr lang="fr-FR" dirty="0" smtClean="0"/>
-              <a:t>/11/14 </a:t>
+              <a:t>Avancement des livrables au 11/11/14 </a:t>
             </a:r>
             <a:r>
               <a:rPr lang="en-GB" dirty="0"/>
@@ -17038,6 +16698,25 @@
 </file>
 
 <file path=customXml/item1.xml><?xml version="1.0" encoding="utf-8"?>
+<?mso-contentType ?>
+<FormTemplates xmlns="http://schemas.microsoft.com/sharepoint/v3/contenttype/forms">
+  <Display>DocumentLibraryForm</Display>
+  <Edit>DocumentLibraryForm</Edit>
+  <New>DocumentLibraryForm</New>
+</FormTemplates>
+</file>
+
+<file path=customXml/item2.xml><?xml version="1.0" encoding="utf-8"?>
+<p:properties xmlns:p="http://schemas.microsoft.com/office/2006/metadata/properties" xmlns:xsi="http://www.w3.org/2001/XMLSchema-instance" xmlns:pc="http://schemas.microsoft.com/office/infopath/2007/PartnerControls">
+  <documentManagement>
+    <DESCRIPTION0 xmlns="ba304b05-2de2-4a46-be7c-fa23123e7702">Exemple de Modele de TB-projet</DESCRIPTION0>
+    <Cat_x00e9_gorie xmlns="ba304b05-2de2-4a46-be7c-fa23123e7702">Etude</Cat_x00e9_gorie>
+    <Statut xmlns="ba304b05-2de2-4a46-be7c-fa23123e7702">Encours</Statut>
+  </documentManagement>
+</p:properties>
+</file>
+
+<file path=customXml/item3.xml><?xml version="1.0" encoding="utf-8"?>
 <ct:contentTypeSchema xmlns:ct="http://schemas.microsoft.com/office/2006/metadata/contentType" xmlns:ma="http://schemas.microsoft.com/office/2006/metadata/properties/metaAttributes" ct:_="" ma:_="" ma:contentTypeName="Document" ma:contentTypeID="0x010100F4FB27D112975140984A018D31E93D46" ma:contentTypeVersion="6" ma:contentTypeDescription="Crée un document." ma:contentTypeScope="" ma:versionID="cd1a5a7e3b4fab495c8d03ccfa007047">
   <xsd:schema xmlns:xsd="http://www.w3.org/2001/XMLSchema" xmlns:xs="http://www.w3.org/2001/XMLSchema" xmlns:p="http://schemas.microsoft.com/office/2006/metadata/properties" xmlns:ns2="ba304b05-2de2-4a46-be7c-fa23123e7702" targetNamespace="http://schemas.microsoft.com/office/2006/metadata/properties" ma:root="true" ma:fieldsID="17380a433e5f01ac948fc83ff4e94548" ns2:_="">
     <xsd:import namespace="ba304b05-2de2-4a46-be7c-fa23123e7702"/>
@@ -17188,39 +16867,10 @@
 </ct:contentTypeSchema>
 </file>
 
-<file path=customXml/item2.xml><?xml version="1.0" encoding="utf-8"?>
-<p:properties xmlns:p="http://schemas.microsoft.com/office/2006/metadata/properties" xmlns:xsi="http://www.w3.org/2001/XMLSchema-instance" xmlns:pc="http://schemas.microsoft.com/office/infopath/2007/PartnerControls">
-  <documentManagement>
-    <DESCRIPTION0 xmlns="ba304b05-2de2-4a46-be7c-fa23123e7702">Exemple de Modele de TB-projet</DESCRIPTION0>
-    <Cat_x00e9_gorie xmlns="ba304b05-2de2-4a46-be7c-fa23123e7702">Etude</Cat_x00e9_gorie>
-    <Statut xmlns="ba304b05-2de2-4a46-be7c-fa23123e7702">Encours</Statut>
-  </documentManagement>
-</p:properties>
-</file>
-
-<file path=customXml/item3.xml><?xml version="1.0" encoding="utf-8"?>
-<?mso-contentType ?>
-<FormTemplates xmlns="http://schemas.microsoft.com/sharepoint/v3/contenttype/forms">
-  <Display>DocumentLibraryForm</Display>
-  <Edit>DocumentLibraryForm</Edit>
-  <New>DocumentLibraryForm</New>
-</FormTemplates>
-</file>
-
 <file path=customXml/itemProps1.xml><?xml version="1.0" encoding="utf-8"?>
-<ds:datastoreItem xmlns:ds="http://schemas.openxmlformats.org/officeDocument/2006/customXml" ds:itemID="{A0A82F11-A615-41E5-B460-7C061A4C892A}">
+<ds:datastoreItem xmlns:ds="http://schemas.openxmlformats.org/officeDocument/2006/customXml" ds:itemID="{F4C7E9DD-FD39-4258-ACCA-161BEA35866B}">
   <ds:schemaRefs>
-    <ds:schemaRef ds:uri="http://schemas.microsoft.com/office/2006/metadata/contentType"/>
-    <ds:schemaRef ds:uri="http://schemas.microsoft.com/office/2006/metadata/properties/metaAttributes"/>
-    <ds:schemaRef ds:uri="http://www.w3.org/2001/XMLSchema"/>
-    <ds:schemaRef ds:uri="http://schemas.microsoft.com/office/2006/metadata/properties"/>
-    <ds:schemaRef ds:uri="ba304b05-2de2-4a46-be7c-fa23123e7702"/>
-    <ds:schemaRef ds:uri="http://schemas.microsoft.com/office/2006/documentManagement/types"/>
-    <ds:schemaRef ds:uri="http://schemas.microsoft.com/office/infopath/2007/PartnerControls"/>
-    <ds:schemaRef ds:uri="http://schemas.openxmlformats.org/package/2006/metadata/core-properties"/>
-    <ds:schemaRef ds:uri="http://purl.org/dc/elements/1.1/"/>
-    <ds:schemaRef ds:uri="http://purl.org/dc/terms/"/>
-    <ds:schemaRef ds:uri="http://schemas.microsoft.com/internal/obd"/>
+    <ds:schemaRef ds:uri="http://schemas.microsoft.com/sharepoint/v3/contenttype/forms"/>
   </ds:schemaRefs>
 </ds:datastoreItem>
 </file>
@@ -17242,9 +16892,19 @@
 </file>
 
 <file path=customXml/itemProps3.xml><?xml version="1.0" encoding="utf-8"?>
-<ds:datastoreItem xmlns:ds="http://schemas.openxmlformats.org/officeDocument/2006/customXml" ds:itemID="{F4C7E9DD-FD39-4258-ACCA-161BEA35866B}">
+<ds:datastoreItem xmlns:ds="http://schemas.openxmlformats.org/officeDocument/2006/customXml" ds:itemID="{A0A82F11-A615-41E5-B460-7C061A4C892A}">
   <ds:schemaRefs>
-    <ds:schemaRef ds:uri="http://schemas.microsoft.com/sharepoint/v3/contenttype/forms"/>
+    <ds:schemaRef ds:uri="http://schemas.microsoft.com/office/2006/metadata/contentType"/>
+    <ds:schemaRef ds:uri="http://schemas.microsoft.com/office/2006/metadata/properties/metaAttributes"/>
+    <ds:schemaRef ds:uri="http://www.w3.org/2001/XMLSchema"/>
+    <ds:schemaRef ds:uri="http://schemas.microsoft.com/office/2006/metadata/properties"/>
+    <ds:schemaRef ds:uri="ba304b05-2de2-4a46-be7c-fa23123e7702"/>
+    <ds:schemaRef ds:uri="http://schemas.microsoft.com/office/2006/documentManagement/types"/>
+    <ds:schemaRef ds:uri="http://schemas.microsoft.com/office/infopath/2007/PartnerControls"/>
+    <ds:schemaRef ds:uri="http://schemas.openxmlformats.org/package/2006/metadata/core-properties"/>
+    <ds:schemaRef ds:uri="http://purl.org/dc/elements/1.1/"/>
+    <ds:schemaRef ds:uri="http://purl.org/dc/terms/"/>
+    <ds:schemaRef ds:uri="http://schemas.microsoft.com/internal/obd"/>
   </ds:schemaRefs>
 </ds:datastoreItem>
 </file>
--- a/Documents/TB 2014.11.11.pptx
+++ b/Documents/TB 2014.11.11.pptx
@@ -7758,7 +7758,7 @@
             </a:r>
             <a:r>
               <a:rPr lang="fr-FR" dirty="0" smtClean="0"/>
-              <a:t>le 14/10/14</a:t>
+              <a:t>le 28/10/14</a:t>
             </a:r>
           </a:p>
           <a:p>
@@ -8475,15 +8475,7 @@
                       </a:pPr>
                       <a:r>
                         <a:rPr lang="fr-FR" sz="1400" b="0" i="0" baseline="0" noProof="0" dirty="0" smtClean="0"/>
-                        <a:t>- Mise </a:t>
-                      </a:r>
-                      <a:r>
-                        <a:rPr lang="fr-FR" sz="1400" b="0" i="0" baseline="0" noProof="0" dirty="0" smtClean="0"/>
-                        <a:t>en place de l’environnement de test : </a:t>
-                      </a:r>
-                      <a:r>
-                        <a:rPr lang="fr-FR" sz="1400" b="0" i="0" baseline="0" noProof="0" dirty="0" smtClean="0"/>
-                        <a:t>5j/h</a:t>
+                        <a:t>- Mise en place de l’environnement de test : 5j/h</a:t>
                       </a:r>
                     </a:p>
                     <a:p>
@@ -8506,11 +8498,7 @@
                       </a:pPr>
                       <a:r>
                         <a:rPr lang="fr-FR" sz="1400" b="0" i="0" baseline="0" noProof="0" dirty="0" smtClean="0"/>
-                        <a:t>- Rédaction du compte rendu </a:t>
-                      </a:r>
-                      <a:r>
-                        <a:rPr lang="fr-FR" sz="1400" b="0" i="0" baseline="0" noProof="0" dirty="0" smtClean="0"/>
-                        <a:t>: 1j/h</a:t>
+                        <a:t>- Rédaction du compte rendu : 1j/h</a:t>
                       </a:r>
                     </a:p>
                   </a:txBody>
@@ -8600,15 +8588,7 @@
                       </a:pPr>
                       <a:r>
                         <a:rPr lang="fr-FR" sz="1400" b="0" i="0" baseline="0" noProof="0" dirty="0" smtClean="0"/>
-                        <a:t>- Rédaction </a:t>
-                      </a:r>
-                      <a:r>
-                        <a:rPr lang="fr-FR" sz="1400" b="0" i="0" baseline="0" noProof="0" dirty="0" smtClean="0"/>
-                        <a:t>du WBS : </a:t>
-                      </a:r>
-                      <a:r>
-                        <a:rPr lang="fr-FR" sz="1400" b="0" i="0" baseline="0" noProof="0" dirty="0" smtClean="0"/>
-                        <a:t>1j/h</a:t>
+                        <a:t>- Rédaction du WBS : 1j/h</a:t>
                       </a:r>
                     </a:p>
                     <a:p>
@@ -8631,11 +8611,7 @@
                       </a:pPr>
                       <a:r>
                         <a:rPr lang="fr-FR" sz="1400" b="0" i="0" baseline="0" noProof="0" dirty="0" smtClean="0"/>
-                        <a:t>- </a:t>
-                      </a:r>
-                      <a:r>
-                        <a:rPr lang="fr-FR" sz="1400" b="0" i="0" baseline="0" noProof="0" dirty="0" smtClean="0"/>
-                        <a:t>Conception architectural : 7j/h</a:t>
+                        <a:t>- Conception architectural : 7j/h</a:t>
                       </a:r>
                     </a:p>
                     <a:p>
@@ -8658,15 +8634,7 @@
                       </a:pPr>
                       <a:r>
                         <a:rPr lang="fr-FR" sz="1400" b="0" i="0" baseline="0" noProof="0" dirty="0" smtClean="0"/>
-                        <a:t>- Mise </a:t>
-                      </a:r>
-                      <a:r>
-                        <a:rPr lang="fr-FR" sz="1400" b="0" i="0" baseline="0" noProof="0" dirty="0" smtClean="0"/>
-                        <a:t>en place des prototypes : </a:t>
-                      </a:r>
-                      <a:r>
-                        <a:rPr lang="fr-FR" sz="1400" b="0" i="0" baseline="0" noProof="0" dirty="0" smtClean="0"/>
-                        <a:t>6j/h</a:t>
+                        <a:t>- Mise en place des prototypes : 6j/h</a:t>
                       </a:r>
                     </a:p>
                     <a:p>
@@ -8714,7 +8682,6 @@
                         <a:rPr lang="fr-FR" sz="1400" b="0" i="0" baseline="0" noProof="0" dirty="0" smtClean="0"/>
                         <a:t>- Réunion avec le client le 14/11/14</a:t>
                       </a:r>
-                      <a:endParaRPr lang="fr-FR" sz="1400" b="0" i="0" baseline="0" noProof="0" dirty="0" smtClean="0"/>
                     </a:p>
                     <a:p>
                       <a:pPr marL="0" marR="0" indent="0" algn="l" defTabSz="914400" rtl="0" eaLnBrk="1" fontAlgn="auto" latinLnBrk="0" hangingPunct="1">
@@ -9381,7 +9348,7 @@
           <p:nvPr>
             <p:extLst>
               <p:ext uri="{D42A27DB-BD31-4B8C-83A1-F6EECF244321}">
-                <p14:modId xmlns:p14="http://schemas.microsoft.com/office/powerpoint/2010/main" val="108524147"/>
+                <p14:modId xmlns:p14="http://schemas.microsoft.com/office/powerpoint/2010/main" val="982808368"/>
               </p:ext>
             </p:extLst>
           </p:nvPr>
@@ -9870,11 +9837,6 @@
                         </a:rPr>
                         <a:t>T. Fleury</a:t>
                       </a:r>
-                      <a:endParaRPr lang="fr-FR" sz="1400" dirty="0" smtClean="0">
-                        <a:solidFill>
-                          <a:schemeClr val="tx1"/>
-                        </a:solidFill>
-                      </a:endParaRPr>
                     </a:p>
                   </a:txBody>
                   <a:tcPr/>
@@ -10069,21 +10031,8 @@
                             <a:schemeClr val="tx1"/>
                           </a:solidFill>
                         </a:rPr>
-                        <a:t>T. </a:t>
+                        <a:t>T. Fleury</a:t>
                       </a:r>
-                      <a:r>
-                        <a:rPr lang="fr-FR" sz="1400" dirty="0" smtClean="0">
-                          <a:solidFill>
-                            <a:schemeClr val="tx1"/>
-                          </a:solidFill>
-                        </a:rPr>
-                        <a:t>Fleury</a:t>
-                      </a:r>
-                      <a:endParaRPr lang="fr-FR" sz="1400" dirty="0" smtClean="0">
-                        <a:solidFill>
-                          <a:schemeClr val="tx1"/>
-                        </a:solidFill>
-                      </a:endParaRPr>
                     </a:p>
                   </a:txBody>
                   <a:tcPr/>
@@ -10234,10 +10183,6 @@
                     <a:bodyPr/>
                     <a:lstStyle/>
                     <a:p>
-                      <a:r>
-                        <a:rPr lang="fr-FR" sz="1400" dirty="0" smtClean="0"/>
-                        <a:t>11/11/14</a:t>
-                      </a:r>
                       <a:endParaRPr lang="fr-FR" sz="1400" dirty="0">
                         <a:solidFill>
                           <a:schemeClr val="tx1"/>
@@ -10370,7 +10315,7 @@
                             <a:schemeClr val="tx1"/>
                           </a:solidFill>
                         </a:rPr>
-                        <a:t>11/11/14</a:t>
+                        <a:t>18/11/14</a:t>
                       </a:r>
                       <a:endParaRPr lang="fr-FR" sz="1400" dirty="0">
                         <a:solidFill>
@@ -10386,10 +10331,6 @@
                     <a:bodyPr/>
                     <a:lstStyle/>
                     <a:p>
-                      <a:r>
-                        <a:rPr lang="fr-FR" sz="1400" dirty="0" smtClean="0"/>
-                        <a:t>11/11/14</a:t>
-                      </a:r>
                       <a:endParaRPr lang="fr-FR" sz="1400" dirty="0">
                         <a:solidFill>
                           <a:schemeClr val="tx1"/>
@@ -10410,7 +10351,7 @@
                             <a:schemeClr val="tx1"/>
                           </a:solidFill>
                         </a:rPr>
-                        <a:t>80</a:t>
+                        <a:t>50</a:t>
                       </a:r>
                       <a:r>
                         <a:rPr lang="fr-FR" sz="1400" dirty="0" smtClean="0">
@@ -16698,25 +16639,6 @@
 </file>
 
 <file path=customXml/item1.xml><?xml version="1.0" encoding="utf-8"?>
-<?mso-contentType ?>
-<FormTemplates xmlns="http://schemas.microsoft.com/sharepoint/v3/contenttype/forms">
-  <Display>DocumentLibraryForm</Display>
-  <Edit>DocumentLibraryForm</Edit>
-  <New>DocumentLibraryForm</New>
-</FormTemplates>
-</file>
-
-<file path=customXml/item2.xml><?xml version="1.0" encoding="utf-8"?>
-<p:properties xmlns:p="http://schemas.microsoft.com/office/2006/metadata/properties" xmlns:xsi="http://www.w3.org/2001/XMLSchema-instance" xmlns:pc="http://schemas.microsoft.com/office/infopath/2007/PartnerControls">
-  <documentManagement>
-    <DESCRIPTION0 xmlns="ba304b05-2de2-4a46-be7c-fa23123e7702">Exemple de Modele de TB-projet</DESCRIPTION0>
-    <Cat_x00e9_gorie xmlns="ba304b05-2de2-4a46-be7c-fa23123e7702">Etude</Cat_x00e9_gorie>
-    <Statut xmlns="ba304b05-2de2-4a46-be7c-fa23123e7702">Encours</Statut>
-  </documentManagement>
-</p:properties>
-</file>
-
-<file path=customXml/item3.xml><?xml version="1.0" encoding="utf-8"?>
 <ct:contentTypeSchema xmlns:ct="http://schemas.microsoft.com/office/2006/metadata/contentType" xmlns:ma="http://schemas.microsoft.com/office/2006/metadata/properties/metaAttributes" ct:_="" ma:_="" ma:contentTypeName="Document" ma:contentTypeID="0x010100F4FB27D112975140984A018D31E93D46" ma:contentTypeVersion="6" ma:contentTypeDescription="Crée un document." ma:contentTypeScope="" ma:versionID="cd1a5a7e3b4fab495c8d03ccfa007047">
   <xsd:schema xmlns:xsd="http://www.w3.org/2001/XMLSchema" xmlns:xs="http://www.w3.org/2001/XMLSchema" xmlns:p="http://schemas.microsoft.com/office/2006/metadata/properties" xmlns:ns2="ba304b05-2de2-4a46-be7c-fa23123e7702" targetNamespace="http://schemas.microsoft.com/office/2006/metadata/properties" ma:root="true" ma:fieldsID="17380a433e5f01ac948fc83ff4e94548" ns2:_="">
     <xsd:import namespace="ba304b05-2de2-4a46-be7c-fa23123e7702"/>
@@ -16867,10 +16789,39 @@
 </ct:contentTypeSchema>
 </file>
 
+<file path=customXml/item2.xml><?xml version="1.0" encoding="utf-8"?>
+<p:properties xmlns:p="http://schemas.microsoft.com/office/2006/metadata/properties" xmlns:xsi="http://www.w3.org/2001/XMLSchema-instance" xmlns:pc="http://schemas.microsoft.com/office/infopath/2007/PartnerControls">
+  <documentManagement>
+    <DESCRIPTION0 xmlns="ba304b05-2de2-4a46-be7c-fa23123e7702">Exemple de Modele de TB-projet</DESCRIPTION0>
+    <Cat_x00e9_gorie xmlns="ba304b05-2de2-4a46-be7c-fa23123e7702">Etude</Cat_x00e9_gorie>
+    <Statut xmlns="ba304b05-2de2-4a46-be7c-fa23123e7702">Encours</Statut>
+  </documentManagement>
+</p:properties>
+</file>
+
+<file path=customXml/item3.xml><?xml version="1.0" encoding="utf-8"?>
+<?mso-contentType ?>
+<FormTemplates xmlns="http://schemas.microsoft.com/sharepoint/v3/contenttype/forms">
+  <Display>DocumentLibraryForm</Display>
+  <Edit>DocumentLibraryForm</Edit>
+  <New>DocumentLibraryForm</New>
+</FormTemplates>
+</file>
+
 <file path=customXml/itemProps1.xml><?xml version="1.0" encoding="utf-8"?>
-<ds:datastoreItem xmlns:ds="http://schemas.openxmlformats.org/officeDocument/2006/customXml" ds:itemID="{F4C7E9DD-FD39-4258-ACCA-161BEA35866B}">
+<ds:datastoreItem xmlns:ds="http://schemas.openxmlformats.org/officeDocument/2006/customXml" ds:itemID="{A0A82F11-A615-41E5-B460-7C061A4C892A}">
   <ds:schemaRefs>
-    <ds:schemaRef ds:uri="http://schemas.microsoft.com/sharepoint/v3/contenttype/forms"/>
+    <ds:schemaRef ds:uri="http://schemas.microsoft.com/office/2006/metadata/contentType"/>
+    <ds:schemaRef ds:uri="http://schemas.microsoft.com/office/2006/metadata/properties/metaAttributes"/>
+    <ds:schemaRef ds:uri="http://www.w3.org/2001/XMLSchema"/>
+    <ds:schemaRef ds:uri="http://schemas.microsoft.com/office/2006/metadata/properties"/>
+    <ds:schemaRef ds:uri="ba304b05-2de2-4a46-be7c-fa23123e7702"/>
+    <ds:schemaRef ds:uri="http://schemas.microsoft.com/office/2006/documentManagement/types"/>
+    <ds:schemaRef ds:uri="http://schemas.microsoft.com/office/infopath/2007/PartnerControls"/>
+    <ds:schemaRef ds:uri="http://schemas.openxmlformats.org/package/2006/metadata/core-properties"/>
+    <ds:schemaRef ds:uri="http://purl.org/dc/elements/1.1/"/>
+    <ds:schemaRef ds:uri="http://purl.org/dc/terms/"/>
+    <ds:schemaRef ds:uri="http://schemas.microsoft.com/internal/obd"/>
   </ds:schemaRefs>
 </ds:datastoreItem>
 </file>
@@ -16892,19 +16843,9 @@
 </file>
 
 <file path=customXml/itemProps3.xml><?xml version="1.0" encoding="utf-8"?>
-<ds:datastoreItem xmlns:ds="http://schemas.openxmlformats.org/officeDocument/2006/customXml" ds:itemID="{A0A82F11-A615-41E5-B460-7C061A4C892A}">
+<ds:datastoreItem xmlns:ds="http://schemas.openxmlformats.org/officeDocument/2006/customXml" ds:itemID="{F4C7E9DD-FD39-4258-ACCA-161BEA35866B}">
   <ds:schemaRefs>
-    <ds:schemaRef ds:uri="http://schemas.microsoft.com/office/2006/metadata/contentType"/>
-    <ds:schemaRef ds:uri="http://schemas.microsoft.com/office/2006/metadata/properties/metaAttributes"/>
-    <ds:schemaRef ds:uri="http://www.w3.org/2001/XMLSchema"/>
-    <ds:schemaRef ds:uri="http://schemas.microsoft.com/office/2006/metadata/properties"/>
-    <ds:schemaRef ds:uri="ba304b05-2de2-4a46-be7c-fa23123e7702"/>
-    <ds:schemaRef ds:uri="http://schemas.microsoft.com/office/2006/documentManagement/types"/>
-    <ds:schemaRef ds:uri="http://schemas.microsoft.com/office/infopath/2007/PartnerControls"/>
-    <ds:schemaRef ds:uri="http://schemas.openxmlformats.org/package/2006/metadata/core-properties"/>
-    <ds:schemaRef ds:uri="http://purl.org/dc/elements/1.1/"/>
-    <ds:schemaRef ds:uri="http://purl.org/dc/terms/"/>
-    <ds:schemaRef ds:uri="http://schemas.microsoft.com/internal/obd"/>
+    <ds:schemaRef ds:uri="http://schemas.microsoft.com/sharepoint/v3/contenttype/forms"/>
   </ds:schemaRefs>
 </ds:datastoreItem>
 </file>
--- a/Documents/TB 2014.11.11.pptx
+++ b/Documents/TB 2014.11.11.pptx
@@ -7822,24 +7822,16 @@
           <a:bodyPr/>
           <a:lstStyle/>
           <a:p>
-            <a:pPr>
+            <a:pPr algn="ctr">
               <a:defRPr/>
             </a:pPr>
             <a:r>
-              <a:rPr lang="en-US" dirty="0" err="1" smtClean="0"/>
-              <a:t>Réf</a:t>
+              <a:rPr lang="en-US" dirty="0"/>
+              <a:t>TB </a:t>
             </a:r>
             <a:r>
               <a:rPr lang="en-US" dirty="0" smtClean="0"/>
-              <a:t>. Du </a:t>
-            </a:r>
-            <a:r>
-              <a:rPr lang="en-US" dirty="0" err="1" smtClean="0"/>
-              <a:t>fichier</a:t>
-            </a:r>
-            <a:r>
-              <a:rPr lang="en-US" dirty="0" smtClean="0"/>
-              <a:t> – Date</a:t>
+              <a:t>2014.11.11</a:t>
             </a:r>
             <a:endParaRPr lang="en-US" dirty="0"/>
           </a:p>
@@ -8208,7 +8200,7 @@
             <p:ph idx="1"/>
             <p:extLst>
               <p:ext uri="{D42A27DB-BD31-4B8C-83A1-F6EECF244321}">
-                <p14:modId xmlns:p14="http://schemas.microsoft.com/office/powerpoint/2010/main" val="1847205069"/>
+                <p14:modId xmlns:p14="http://schemas.microsoft.com/office/powerpoint/2010/main" val="2835892918"/>
               </p:ext>
             </p:extLst>
           </p:nvPr>
@@ -8498,8 +8490,13 @@
                       </a:pPr>
                       <a:r>
                         <a:rPr lang="fr-FR" sz="1400" b="0" i="0" baseline="0" noProof="0" dirty="0" smtClean="0"/>
-                        <a:t>- Rédaction du compte rendu : 1j/h</a:t>
+                        <a:t>- </a:t>
                       </a:r>
+                      <a:r>
+                        <a:rPr lang="fr-FR" sz="1400" b="0" i="0" baseline="0" noProof="0" dirty="0" smtClean="0"/>
+                        <a:t>Réunion avec le client le 28/10/14</a:t>
+                      </a:r>
+                      <a:endParaRPr lang="fr-FR" sz="1400" b="0" i="0" baseline="0" noProof="0" dirty="0" smtClean="0"/>
                     </a:p>
                   </a:txBody>
                   <a:tcPr>
@@ -8611,7 +8608,15 @@
                       </a:pPr>
                       <a:r>
                         <a:rPr lang="fr-FR" sz="1400" b="0" i="0" baseline="0" noProof="0" dirty="0" smtClean="0"/>
-                        <a:t>- Conception architectural : 7j/h</a:t>
+                        <a:t>- Conception </a:t>
+                      </a:r>
+                      <a:r>
+                        <a:rPr lang="fr-FR" sz="1400" b="0" i="0" baseline="0" noProof="0" dirty="0" smtClean="0"/>
+                        <a:t>architecturale </a:t>
+                      </a:r>
+                      <a:r>
+                        <a:rPr lang="fr-FR" sz="1400" b="0" i="0" baseline="0" noProof="0" dirty="0" smtClean="0"/>
+                        <a:t>: 7j/h</a:t>
                       </a:r>
                     </a:p>
                     <a:p>
@@ -9209,22 +9214,18 @@
               <a:defRPr/>
             </a:pPr>
             <a:r>
-              <a:rPr lang="en-US" dirty="0" err="1" smtClean="0"/>
-              <a:t>Réf</a:t>
+              <a:rPr lang="en-US" sz="1800" dirty="0">
+                <a:solidFill>
+                  <a:schemeClr val="tx1"/>
+                </a:solidFill>
+              </a:rPr>
+              <a:t>TB 2014.11.11</a:t>
             </a:r>
-            <a:r>
-              <a:rPr lang="en-US" dirty="0" smtClean="0"/>
-              <a:t>. Du </a:t>
-            </a:r>
-            <a:r>
-              <a:rPr lang="en-US" dirty="0" err="1" smtClean="0"/>
-              <a:t>fichier</a:t>
-            </a:r>
-            <a:r>
-              <a:rPr lang="en-US" dirty="0" smtClean="0"/>
-              <a:t> – Date</a:t>
-            </a:r>
-            <a:endParaRPr lang="en-US" dirty="0"/>
+            <a:endParaRPr lang="en-US" sz="1800" dirty="0">
+              <a:solidFill>
+                <a:schemeClr val="tx1"/>
+              </a:solidFill>
+            </a:endParaRPr>
           </a:p>
         </p:txBody>
       </p:sp>
@@ -10351,15 +10352,7 @@
                             <a:schemeClr val="tx1"/>
                           </a:solidFill>
                         </a:rPr>
-                        <a:t>50</a:t>
-                      </a:r>
-                      <a:r>
-                        <a:rPr lang="fr-FR" sz="1400" dirty="0" smtClean="0">
-                          <a:solidFill>
-                            <a:schemeClr val="tx1"/>
-                          </a:solidFill>
-                        </a:rPr>
-                        <a:t>%</a:t>
+                        <a:t>50%</a:t>
                       </a:r>
                       <a:endParaRPr lang="fr-FR" sz="1400" dirty="0">
                         <a:solidFill>
@@ -10498,24 +10491,12 @@
           <a:bodyPr/>
           <a:lstStyle/>
           <a:p>
-            <a:pPr>
+            <a:pPr algn="ctr">
               <a:defRPr/>
             </a:pPr>
             <a:r>
-              <a:rPr lang="en-US" dirty="0" err="1" smtClean="0"/>
-              <a:t>Réf</a:t>
-            </a:r>
-            <a:r>
-              <a:rPr lang="en-US" dirty="0" smtClean="0"/>
-              <a:t>. Du </a:t>
-            </a:r>
-            <a:r>
-              <a:rPr lang="en-US" dirty="0" err="1" smtClean="0"/>
-              <a:t>fichier</a:t>
-            </a:r>
-            <a:r>
-              <a:rPr lang="en-US" dirty="0" smtClean="0"/>
-              <a:t> – Date</a:t>
+              <a:rPr lang="en-US" dirty="0"/>
+              <a:t>TB 2014.11.11</a:t>
             </a:r>
             <a:endParaRPr lang="en-US" dirty="0"/>
           </a:p>
@@ -11866,24 +11847,12 @@
           <a:bodyPr/>
           <a:lstStyle/>
           <a:p>
-            <a:pPr>
+            <a:pPr algn="ctr">
               <a:defRPr/>
             </a:pPr>
             <a:r>
-              <a:rPr lang="en-US" dirty="0" err="1" smtClean="0"/>
-              <a:t>Réf</a:t>
-            </a:r>
-            <a:r>
-              <a:rPr lang="en-US" dirty="0" smtClean="0"/>
-              <a:t>. Du </a:t>
-            </a:r>
-            <a:r>
-              <a:rPr lang="en-US" dirty="0" err="1" smtClean="0"/>
-              <a:t>fichier</a:t>
-            </a:r>
-            <a:r>
-              <a:rPr lang="en-US" dirty="0" smtClean="0"/>
-              <a:t> – Date</a:t>
+              <a:rPr lang="en-US" dirty="0"/>
+              <a:t>TB 2014.11.11</a:t>
             </a:r>
             <a:endParaRPr lang="en-US" dirty="0"/>
           </a:p>
@@ -14825,26 +14794,18 @@
               <a:defRPr/>
             </a:pPr>
             <a:r>
-              <a:rPr lang="en-US" dirty="0" err="1" smtClean="0"/>
-              <a:t>Réf</a:t>
+              <a:rPr lang="en-US" sz="1800" dirty="0">
+                <a:solidFill>
+                  <a:schemeClr val="tx1"/>
+                </a:solidFill>
+              </a:rPr>
+              <a:t>TB 2014.11.11</a:t>
             </a:r>
-            <a:r>
-              <a:rPr lang="en-US" dirty="0" smtClean="0"/>
-              <a:t>. Du </a:t>
-            </a:r>
-            <a:r>
-              <a:rPr lang="en-US" dirty="0" err="1" smtClean="0"/>
-              <a:t>fichier</a:t>
-            </a:r>
-            <a:r>
-              <a:rPr lang="en-US" dirty="0" smtClean="0"/>
-              <a:t> – Date </a:t>
-            </a:r>
-            <a:r>
-              <a:rPr lang="en-US" dirty="0" err="1" smtClean="0"/>
-              <a:t>Coproj</a:t>
-            </a:r>
-            <a:endParaRPr lang="en-US" dirty="0"/>
+            <a:endParaRPr lang="en-US" sz="1800" dirty="0">
+              <a:solidFill>
+                <a:schemeClr val="tx1"/>
+              </a:solidFill>
+            </a:endParaRPr>
           </a:p>
         </p:txBody>
       </p:sp>
@@ -16639,6 +16600,25 @@
 </file>
 
 <file path=customXml/item1.xml><?xml version="1.0" encoding="utf-8"?>
+<?mso-contentType ?>
+<FormTemplates xmlns="http://schemas.microsoft.com/sharepoint/v3/contenttype/forms">
+  <Display>DocumentLibraryForm</Display>
+  <Edit>DocumentLibraryForm</Edit>
+  <New>DocumentLibraryForm</New>
+</FormTemplates>
+</file>
+
+<file path=customXml/item2.xml><?xml version="1.0" encoding="utf-8"?>
+<p:properties xmlns:p="http://schemas.microsoft.com/office/2006/metadata/properties" xmlns:xsi="http://www.w3.org/2001/XMLSchema-instance" xmlns:pc="http://schemas.microsoft.com/office/infopath/2007/PartnerControls">
+  <documentManagement>
+    <DESCRIPTION0 xmlns="ba304b05-2de2-4a46-be7c-fa23123e7702">Exemple de Modele de TB-projet</DESCRIPTION0>
+    <Cat_x00e9_gorie xmlns="ba304b05-2de2-4a46-be7c-fa23123e7702">Etude</Cat_x00e9_gorie>
+    <Statut xmlns="ba304b05-2de2-4a46-be7c-fa23123e7702">Encours</Statut>
+  </documentManagement>
+</p:properties>
+</file>
+
+<file path=customXml/item3.xml><?xml version="1.0" encoding="utf-8"?>
 <ct:contentTypeSchema xmlns:ct="http://schemas.microsoft.com/office/2006/metadata/contentType" xmlns:ma="http://schemas.microsoft.com/office/2006/metadata/properties/metaAttributes" ct:_="" ma:_="" ma:contentTypeName="Document" ma:contentTypeID="0x010100F4FB27D112975140984A018D31E93D46" ma:contentTypeVersion="6" ma:contentTypeDescription="Crée un document." ma:contentTypeScope="" ma:versionID="cd1a5a7e3b4fab495c8d03ccfa007047">
   <xsd:schema xmlns:xsd="http://www.w3.org/2001/XMLSchema" xmlns:xs="http://www.w3.org/2001/XMLSchema" xmlns:p="http://schemas.microsoft.com/office/2006/metadata/properties" xmlns:ns2="ba304b05-2de2-4a46-be7c-fa23123e7702" targetNamespace="http://schemas.microsoft.com/office/2006/metadata/properties" ma:root="true" ma:fieldsID="17380a433e5f01ac948fc83ff4e94548" ns2:_="">
     <xsd:import namespace="ba304b05-2de2-4a46-be7c-fa23123e7702"/>
@@ -16789,39 +16769,10 @@
 </ct:contentTypeSchema>
 </file>
 
-<file path=customXml/item2.xml><?xml version="1.0" encoding="utf-8"?>
-<p:properties xmlns:p="http://schemas.microsoft.com/office/2006/metadata/properties" xmlns:xsi="http://www.w3.org/2001/XMLSchema-instance" xmlns:pc="http://schemas.microsoft.com/office/infopath/2007/PartnerControls">
-  <documentManagement>
-    <DESCRIPTION0 xmlns="ba304b05-2de2-4a46-be7c-fa23123e7702">Exemple de Modele de TB-projet</DESCRIPTION0>
-    <Cat_x00e9_gorie xmlns="ba304b05-2de2-4a46-be7c-fa23123e7702">Etude</Cat_x00e9_gorie>
-    <Statut xmlns="ba304b05-2de2-4a46-be7c-fa23123e7702">Encours</Statut>
-  </documentManagement>
-</p:properties>
-</file>
-
-<file path=customXml/item3.xml><?xml version="1.0" encoding="utf-8"?>
-<?mso-contentType ?>
-<FormTemplates xmlns="http://schemas.microsoft.com/sharepoint/v3/contenttype/forms">
-  <Display>DocumentLibraryForm</Display>
-  <Edit>DocumentLibraryForm</Edit>
-  <New>DocumentLibraryForm</New>
-</FormTemplates>
-</file>
-
 <file path=customXml/itemProps1.xml><?xml version="1.0" encoding="utf-8"?>
-<ds:datastoreItem xmlns:ds="http://schemas.openxmlformats.org/officeDocument/2006/customXml" ds:itemID="{A0A82F11-A615-41E5-B460-7C061A4C892A}">
+<ds:datastoreItem xmlns:ds="http://schemas.openxmlformats.org/officeDocument/2006/customXml" ds:itemID="{F4C7E9DD-FD39-4258-ACCA-161BEA35866B}">
   <ds:schemaRefs>
-    <ds:schemaRef ds:uri="http://schemas.microsoft.com/office/2006/metadata/contentType"/>
-    <ds:schemaRef ds:uri="http://schemas.microsoft.com/office/2006/metadata/properties/metaAttributes"/>
-    <ds:schemaRef ds:uri="http://www.w3.org/2001/XMLSchema"/>
-    <ds:schemaRef ds:uri="http://schemas.microsoft.com/office/2006/metadata/properties"/>
-    <ds:schemaRef ds:uri="ba304b05-2de2-4a46-be7c-fa23123e7702"/>
-    <ds:schemaRef ds:uri="http://schemas.microsoft.com/office/2006/documentManagement/types"/>
-    <ds:schemaRef ds:uri="http://schemas.microsoft.com/office/infopath/2007/PartnerControls"/>
-    <ds:schemaRef ds:uri="http://schemas.openxmlformats.org/package/2006/metadata/core-properties"/>
-    <ds:schemaRef ds:uri="http://purl.org/dc/elements/1.1/"/>
-    <ds:schemaRef ds:uri="http://purl.org/dc/terms/"/>
-    <ds:schemaRef ds:uri="http://schemas.microsoft.com/internal/obd"/>
+    <ds:schemaRef ds:uri="http://schemas.microsoft.com/sharepoint/v3/contenttype/forms"/>
   </ds:schemaRefs>
 </ds:datastoreItem>
 </file>
@@ -16843,9 +16794,19 @@
 </file>
 
 <file path=customXml/itemProps3.xml><?xml version="1.0" encoding="utf-8"?>
-<ds:datastoreItem xmlns:ds="http://schemas.openxmlformats.org/officeDocument/2006/customXml" ds:itemID="{F4C7E9DD-FD39-4258-ACCA-161BEA35866B}">
+<ds:datastoreItem xmlns:ds="http://schemas.openxmlformats.org/officeDocument/2006/customXml" ds:itemID="{A0A82F11-A615-41E5-B460-7C061A4C892A}">
   <ds:schemaRefs>
-    <ds:schemaRef ds:uri="http://schemas.microsoft.com/sharepoint/v3/contenttype/forms"/>
+    <ds:schemaRef ds:uri="http://schemas.microsoft.com/office/2006/metadata/contentType"/>
+    <ds:schemaRef ds:uri="http://schemas.microsoft.com/office/2006/metadata/properties/metaAttributes"/>
+    <ds:schemaRef ds:uri="http://www.w3.org/2001/XMLSchema"/>
+    <ds:schemaRef ds:uri="http://schemas.microsoft.com/office/2006/metadata/properties"/>
+    <ds:schemaRef ds:uri="ba304b05-2de2-4a46-be7c-fa23123e7702"/>
+    <ds:schemaRef ds:uri="http://schemas.microsoft.com/office/2006/documentManagement/types"/>
+    <ds:schemaRef ds:uri="http://schemas.microsoft.com/office/infopath/2007/PartnerControls"/>
+    <ds:schemaRef ds:uri="http://schemas.openxmlformats.org/package/2006/metadata/core-properties"/>
+    <ds:schemaRef ds:uri="http://purl.org/dc/elements/1.1/"/>
+    <ds:schemaRef ds:uri="http://purl.org/dc/terms/"/>
+    <ds:schemaRef ds:uri="http://schemas.microsoft.com/internal/obd"/>
   </ds:schemaRefs>
 </ds:datastoreItem>
 </file>
--- a/Documents/TB 2014.11.11.pptx
+++ b/Documents/TB 2014.11.11.pptx
@@ -10612,7 +10612,7 @@
           <p:nvPr>
             <p:extLst>
               <p:ext uri="{D42A27DB-BD31-4B8C-83A1-F6EECF244321}">
-                <p14:modId xmlns:p14="http://schemas.microsoft.com/office/powerpoint/2010/main" val="191916109"/>
+                <p14:modId xmlns:p14="http://schemas.microsoft.com/office/powerpoint/2010/main" val="4194116460"/>
               </p:ext>
             </p:extLst>
           </p:nvPr>
@@ -11061,15 +11061,12 @@
                         <a:tabLst/>
                         <a:defRPr/>
                       </a:pPr>
-                      <a:r>
-                        <a:rPr lang="fr-FR" sz="1400" dirty="0" smtClean="0">
-                          <a:solidFill>
-                            <a:schemeClr val="tx1"/>
-                          </a:solidFill>
-                          <a:latin typeface="+mn-lt"/>
-                        </a:rPr>
-                        <a:t>28/11/14</a:t>
-                      </a:r>
+                      <a:endParaRPr lang="fr-FR" sz="1400" dirty="0" smtClean="0">
+                        <a:solidFill>
+                          <a:schemeClr val="tx1"/>
+                        </a:solidFill>
+                        <a:latin typeface="+mn-lt"/>
+                      </a:endParaRPr>
                     </a:p>
                   </a:txBody>
                   <a:tcPr/>
@@ -11096,15 +11093,12 @@
                         <a:tabLst/>
                         <a:defRPr/>
                       </a:pPr>
-                      <a:r>
-                        <a:rPr lang="fr-FR" sz="1400" dirty="0" smtClean="0">
-                          <a:solidFill>
-                            <a:schemeClr val="tx1"/>
-                          </a:solidFill>
-                          <a:latin typeface="+mn-lt"/>
-                        </a:rPr>
-                        <a:t>28/11/14</a:t>
-                      </a:r>
+                      <a:endParaRPr lang="fr-FR" sz="1400" dirty="0" smtClean="0">
+                        <a:solidFill>
+                          <a:schemeClr val="tx1"/>
+                        </a:solidFill>
+                        <a:latin typeface="+mn-lt"/>
+                      </a:endParaRPr>
                     </a:p>
                   </a:txBody>
                   <a:tcPr/>
@@ -11252,6 +11246,15 @@
                     <a:bodyPr/>
                     <a:lstStyle/>
                     <a:p>
+                      <a:r>
+                        <a:rPr lang="fr-FR" sz="1400" dirty="0" smtClean="0">
+                          <a:solidFill>
+                            <a:schemeClr val="tx1"/>
+                          </a:solidFill>
+                          <a:latin typeface="+mn-lt"/>
+                        </a:rPr>
+                        <a:t>0%</a:t>
+                      </a:r>
                       <a:endParaRPr lang="fr-FR" sz="1400" dirty="0">
                         <a:solidFill>
                           <a:schemeClr val="tx1"/>
@@ -11381,6 +11384,15 @@
                     <a:bodyPr/>
                     <a:lstStyle/>
                     <a:p>
+                      <a:r>
+                        <a:rPr lang="fr-FR" sz="1400" dirty="0" smtClean="0">
+                          <a:solidFill>
+                            <a:schemeClr val="tx1"/>
+                          </a:solidFill>
+                          <a:latin typeface="+mn-lt"/>
+                        </a:rPr>
+                        <a:t>0%</a:t>
+                      </a:r>
                       <a:endParaRPr lang="fr-FR" sz="1400" dirty="0">
                         <a:solidFill>
                           <a:schemeClr val="tx1"/>

--- a/Documents/TB 2014.11.11.pptx
+++ b/Documents/TB 2014.11.11.pptx
@@ -243,7 +243,7 @@
               <a:pPr>
                 <a:defRPr/>
               </a:pPr>
-              <a:t>25/11/2014</a:t>
+              <a:t>26/01/2015</a:t>
             </a:fld>
             <a:endParaRPr lang="fr-FR"/>
           </a:p>
@@ -8490,13 +8490,8 @@
                       </a:pPr>
                       <a:r>
                         <a:rPr lang="fr-FR" sz="1400" b="0" i="0" baseline="0" noProof="0" dirty="0" smtClean="0"/>
-                        <a:t>- </a:t>
+                        <a:t>- Réunion avec le client le 28/10/14</a:t>
                       </a:r>
-                      <a:r>
-                        <a:rPr lang="fr-FR" sz="1400" b="0" i="0" baseline="0" noProof="0" dirty="0" smtClean="0"/>
-                        <a:t>Réunion avec le client le 28/10/14</a:t>
-                      </a:r>
-                      <a:endParaRPr lang="fr-FR" sz="1400" b="0" i="0" baseline="0" noProof="0" dirty="0" smtClean="0"/>
                     </a:p>
                   </a:txBody>
                   <a:tcPr>
@@ -8608,15 +8603,7 @@
                       </a:pPr>
                       <a:r>
                         <a:rPr lang="fr-FR" sz="1400" b="0" i="0" baseline="0" noProof="0" dirty="0" smtClean="0"/>
-                        <a:t>- Conception </a:t>
-                      </a:r>
-                      <a:r>
-                        <a:rPr lang="fr-FR" sz="1400" b="0" i="0" baseline="0" noProof="0" dirty="0" smtClean="0"/>
-                        <a:t>architecturale </a:t>
-                      </a:r>
-                      <a:r>
-                        <a:rPr lang="fr-FR" sz="1400" b="0" i="0" baseline="0" noProof="0" dirty="0" smtClean="0"/>
-                        <a:t>: 7j/h</a:t>
+                        <a:t>- Conception architecturale : 7j/h</a:t>
                       </a:r>
                     </a:p>
                     <a:p>
@@ -8762,7 +8749,7 @@
           <p:nvPr>
             <p:extLst>
               <p:ext uri="{D42A27DB-BD31-4B8C-83A1-F6EECF244321}">
-                <p14:modId xmlns:p14="http://schemas.microsoft.com/office/powerpoint/2010/main" val="1912755841"/>
+                <p14:modId xmlns:p14="http://schemas.microsoft.com/office/powerpoint/2010/main" val="812449966"/>
               </p:ext>
             </p:extLst>
           </p:nvPr>
@@ -9016,7 +9003,50 @@
                         <a:tabLst/>
                         <a:defRPr/>
                       </a:pPr>
-                      <a:endParaRPr lang="fr-FR" sz="1600" dirty="0" smtClean="0"/>
+                      <a:r>
+                        <a:rPr lang="fr-FR" sz="1400" dirty="0" smtClean="0"/>
+                        <a:t>- Alimentation d’un</a:t>
+                      </a:r>
+                      <a:r>
+                        <a:rPr lang="fr-FR" sz="1400" baseline="0" dirty="0" smtClean="0"/>
+                        <a:t> des </a:t>
+                      </a:r>
+                      <a:r>
+                        <a:rPr lang="fr-FR" sz="1400" baseline="0" dirty="0" err="1" smtClean="0"/>
+                        <a:t>Raspberry</a:t>
+                      </a:r>
+                      <a:r>
+                        <a:rPr lang="fr-FR" sz="1400" baseline="0" dirty="0" smtClean="0"/>
+                        <a:t> Pi perdue</a:t>
+                      </a:r>
+                    </a:p>
+                    <a:p>
+                      <a:pPr marL="0" marR="0" indent="0" algn="l" defTabSz="914400" rtl="0" eaLnBrk="1" fontAlgn="auto" latinLnBrk="0" hangingPunct="1">
+                        <a:lnSpc>
+                          <a:spcPct val="100000"/>
+                        </a:lnSpc>
+                        <a:spcBef>
+                          <a:spcPts val="0"/>
+                        </a:spcBef>
+                        <a:spcAft>
+                          <a:spcPts val="0"/>
+                        </a:spcAft>
+                        <a:buClrTx/>
+                        <a:buSzTx/>
+                        <a:buFontTx/>
+                        <a:buNone/>
+                        <a:tabLst/>
+                        <a:defRPr/>
+                      </a:pPr>
+                      <a:r>
+                        <a:rPr lang="fr-FR" sz="1400" dirty="0" smtClean="0"/>
+                        <a:t>- Pas de réponse pour le prêt d’un </a:t>
+                      </a:r>
+                      <a:r>
+                        <a:rPr lang="fr-FR" sz="1400" dirty="0" err="1" smtClean="0"/>
+                        <a:t>switch</a:t>
+                      </a:r>
+                      <a:endParaRPr lang="fr-FR" sz="1400" dirty="0" smtClean="0"/>
                     </a:p>
                   </a:txBody>
                   <a:tcPr>
@@ -9221,11 +9251,6 @@
               </a:rPr>
               <a:t>TB 2014.11.11</a:t>
             </a:r>
-            <a:endParaRPr lang="en-US" sz="1800" dirty="0">
-              <a:solidFill>
-                <a:schemeClr val="tx1"/>
-              </a:solidFill>
-            </a:endParaRPr>
           </a:p>
         </p:txBody>
       </p:sp>
@@ -9349,7 +9374,7 @@
           <p:nvPr>
             <p:extLst>
               <p:ext uri="{D42A27DB-BD31-4B8C-83A1-F6EECF244321}">
-                <p14:modId xmlns:p14="http://schemas.microsoft.com/office/powerpoint/2010/main" val="982808368"/>
+                <p14:modId xmlns:p14="http://schemas.microsoft.com/office/powerpoint/2010/main" val="2486690474"/>
               </p:ext>
             </p:extLst>
           </p:nvPr>
@@ -10184,6 +10209,14 @@
                     <a:bodyPr/>
                     <a:lstStyle/>
                     <a:p>
+                      <a:r>
+                        <a:rPr lang="fr-FR" sz="1400" dirty="0" smtClean="0">
+                          <a:solidFill>
+                            <a:schemeClr val="tx1"/>
+                          </a:solidFill>
+                        </a:rPr>
+                        <a:t>18/11/14</a:t>
+                      </a:r>
                       <a:endParaRPr lang="fr-FR" sz="1400" dirty="0">
                         <a:solidFill>
                           <a:schemeClr val="tx1"/>
@@ -10332,6 +10365,14 @@
                     <a:bodyPr/>
                     <a:lstStyle/>
                     <a:p>
+                      <a:r>
+                        <a:rPr lang="fr-FR" sz="1400" dirty="0" smtClean="0">
+                          <a:solidFill>
+                            <a:schemeClr val="tx1"/>
+                          </a:solidFill>
+                        </a:rPr>
+                        <a:t>18/11/14</a:t>
+                      </a:r>
                       <a:endParaRPr lang="fr-FR" sz="1400" dirty="0">
                         <a:solidFill>
                           <a:schemeClr val="tx1"/>
@@ -10498,7 +10539,6 @@
               <a:rPr lang="en-US" dirty="0"/>
               <a:t>TB 2014.11.11</a:t>
             </a:r>
-            <a:endParaRPr lang="en-US" dirty="0"/>
           </a:p>
         </p:txBody>
       </p:sp>
@@ -10612,7 +10652,7 @@
           <p:nvPr>
             <p:extLst>
               <p:ext uri="{D42A27DB-BD31-4B8C-83A1-F6EECF244321}">
-                <p14:modId xmlns:p14="http://schemas.microsoft.com/office/powerpoint/2010/main" val="4194116460"/>
+                <p14:modId xmlns:p14="http://schemas.microsoft.com/office/powerpoint/2010/main" val="2929983190"/>
               </p:ext>
             </p:extLst>
           </p:nvPr>
@@ -11093,6 +11133,15 @@
                         <a:tabLst/>
                         <a:defRPr/>
                       </a:pPr>
+                      <a:r>
+                        <a:rPr lang="fr-FR" sz="1400" dirty="0" smtClean="0">
+                          <a:solidFill>
+                            <a:schemeClr val="tx1"/>
+                          </a:solidFill>
+                          <a:latin typeface="+mn-lt"/>
+                        </a:rPr>
+                        <a:t>28/11/14</a:t>
+                      </a:r>
                       <a:endParaRPr lang="fr-FR" sz="1400" dirty="0" smtClean="0">
                         <a:solidFill>
                           <a:schemeClr val="tx1"/>
@@ -11866,7 +11915,6 @@
               <a:rPr lang="en-US" dirty="0"/>
               <a:t>TB 2014.11.11</a:t>
             </a:r>
-            <a:endParaRPr lang="en-US" dirty="0"/>
           </a:p>
         </p:txBody>
       </p:sp>
@@ -14813,11 +14861,6 @@
               </a:rPr>
               <a:t>TB 2014.11.11</a:t>
             </a:r>
-            <a:endParaRPr lang="en-US" sz="1800" dirty="0">
-              <a:solidFill>
-                <a:schemeClr val="tx1"/>
-              </a:solidFill>
-            </a:endParaRPr>
           </a:p>
         </p:txBody>
       </p:sp>
@@ -16612,25 +16655,6 @@
 </file>
 
 <file path=customXml/item1.xml><?xml version="1.0" encoding="utf-8"?>
-<?mso-contentType ?>
-<FormTemplates xmlns="http://schemas.microsoft.com/sharepoint/v3/contenttype/forms">
-  <Display>DocumentLibraryForm</Display>
-  <Edit>DocumentLibraryForm</Edit>
-  <New>DocumentLibraryForm</New>
-</FormTemplates>
-</file>
-
-<file path=customXml/item2.xml><?xml version="1.0" encoding="utf-8"?>
-<p:properties xmlns:p="http://schemas.microsoft.com/office/2006/metadata/properties" xmlns:xsi="http://www.w3.org/2001/XMLSchema-instance" xmlns:pc="http://schemas.microsoft.com/office/infopath/2007/PartnerControls">
-  <documentManagement>
-    <DESCRIPTION0 xmlns="ba304b05-2de2-4a46-be7c-fa23123e7702">Exemple de Modele de TB-projet</DESCRIPTION0>
-    <Cat_x00e9_gorie xmlns="ba304b05-2de2-4a46-be7c-fa23123e7702">Etude</Cat_x00e9_gorie>
-    <Statut xmlns="ba304b05-2de2-4a46-be7c-fa23123e7702">Encours</Statut>
-  </documentManagement>
-</p:properties>
-</file>
-
-<file path=customXml/item3.xml><?xml version="1.0" encoding="utf-8"?>
 <ct:contentTypeSchema xmlns:ct="http://schemas.microsoft.com/office/2006/metadata/contentType" xmlns:ma="http://schemas.microsoft.com/office/2006/metadata/properties/metaAttributes" ct:_="" ma:_="" ma:contentTypeName="Document" ma:contentTypeID="0x010100F4FB27D112975140984A018D31E93D46" ma:contentTypeVersion="6" ma:contentTypeDescription="Crée un document." ma:contentTypeScope="" ma:versionID="cd1a5a7e3b4fab495c8d03ccfa007047">
   <xsd:schema xmlns:xsd="http://www.w3.org/2001/XMLSchema" xmlns:xs="http://www.w3.org/2001/XMLSchema" xmlns:p="http://schemas.microsoft.com/office/2006/metadata/properties" xmlns:ns2="ba304b05-2de2-4a46-be7c-fa23123e7702" targetNamespace="http://schemas.microsoft.com/office/2006/metadata/properties" ma:root="true" ma:fieldsID="17380a433e5f01ac948fc83ff4e94548" ns2:_="">
     <xsd:import namespace="ba304b05-2de2-4a46-be7c-fa23123e7702"/>
@@ -16781,10 +16805,39 @@
 </ct:contentTypeSchema>
 </file>
 
+<file path=customXml/item2.xml><?xml version="1.0" encoding="utf-8"?>
+<p:properties xmlns:p="http://schemas.microsoft.com/office/2006/metadata/properties" xmlns:xsi="http://www.w3.org/2001/XMLSchema-instance" xmlns:pc="http://schemas.microsoft.com/office/infopath/2007/PartnerControls">
+  <documentManagement>
+    <DESCRIPTION0 xmlns="ba304b05-2de2-4a46-be7c-fa23123e7702">Exemple de Modele de TB-projet</DESCRIPTION0>
+    <Cat_x00e9_gorie xmlns="ba304b05-2de2-4a46-be7c-fa23123e7702">Etude</Cat_x00e9_gorie>
+    <Statut xmlns="ba304b05-2de2-4a46-be7c-fa23123e7702">Encours</Statut>
+  </documentManagement>
+</p:properties>
+</file>
+
+<file path=customXml/item3.xml><?xml version="1.0" encoding="utf-8"?>
+<?mso-contentType ?>
+<FormTemplates xmlns="http://schemas.microsoft.com/sharepoint/v3/contenttype/forms">
+  <Display>DocumentLibraryForm</Display>
+  <Edit>DocumentLibraryForm</Edit>
+  <New>DocumentLibraryForm</New>
+</FormTemplates>
+</file>
+
 <file path=customXml/itemProps1.xml><?xml version="1.0" encoding="utf-8"?>
-<ds:datastoreItem xmlns:ds="http://schemas.openxmlformats.org/officeDocument/2006/customXml" ds:itemID="{F4C7E9DD-FD39-4258-ACCA-161BEA35866B}">
+<ds:datastoreItem xmlns:ds="http://schemas.openxmlformats.org/officeDocument/2006/customXml" ds:itemID="{A0A82F11-A615-41E5-B460-7C061A4C892A}">
   <ds:schemaRefs>
-    <ds:schemaRef ds:uri="http://schemas.microsoft.com/sharepoint/v3/contenttype/forms"/>
+    <ds:schemaRef ds:uri="http://schemas.microsoft.com/office/2006/metadata/contentType"/>
+    <ds:schemaRef ds:uri="http://schemas.microsoft.com/office/2006/metadata/properties/metaAttributes"/>
+    <ds:schemaRef ds:uri="http://www.w3.org/2001/XMLSchema"/>
+    <ds:schemaRef ds:uri="http://schemas.microsoft.com/office/2006/metadata/properties"/>
+    <ds:schemaRef ds:uri="ba304b05-2de2-4a46-be7c-fa23123e7702"/>
+    <ds:schemaRef ds:uri="http://schemas.microsoft.com/office/2006/documentManagement/types"/>
+    <ds:schemaRef ds:uri="http://schemas.microsoft.com/office/infopath/2007/PartnerControls"/>
+    <ds:schemaRef ds:uri="http://schemas.openxmlformats.org/package/2006/metadata/core-properties"/>
+    <ds:schemaRef ds:uri="http://purl.org/dc/elements/1.1/"/>
+    <ds:schemaRef ds:uri="http://purl.org/dc/terms/"/>
+    <ds:schemaRef ds:uri="http://schemas.microsoft.com/internal/obd"/>
   </ds:schemaRefs>
 </ds:datastoreItem>
 </file>
@@ -16806,19 +16859,9 @@
 </file>
 
 <file path=customXml/itemProps3.xml><?xml version="1.0" encoding="utf-8"?>
-<ds:datastoreItem xmlns:ds="http://schemas.openxmlformats.org/officeDocument/2006/customXml" ds:itemID="{A0A82F11-A615-41E5-B460-7C061A4C892A}">
+<ds:datastoreItem xmlns:ds="http://schemas.openxmlformats.org/officeDocument/2006/customXml" ds:itemID="{F4C7E9DD-FD39-4258-ACCA-161BEA35866B}">
   <ds:schemaRefs>
-    <ds:schemaRef ds:uri="http://schemas.microsoft.com/office/2006/metadata/contentType"/>
-    <ds:schemaRef ds:uri="http://schemas.microsoft.com/office/2006/metadata/properties/metaAttributes"/>
-    <ds:schemaRef ds:uri="http://www.w3.org/2001/XMLSchema"/>
-    <ds:schemaRef ds:uri="http://schemas.microsoft.com/office/2006/metadata/properties"/>
-    <ds:schemaRef ds:uri="ba304b05-2de2-4a46-be7c-fa23123e7702"/>
-    <ds:schemaRef ds:uri="http://schemas.microsoft.com/office/2006/documentManagement/types"/>
-    <ds:schemaRef ds:uri="http://schemas.microsoft.com/office/infopath/2007/PartnerControls"/>
-    <ds:schemaRef ds:uri="http://schemas.openxmlformats.org/package/2006/metadata/core-properties"/>
-    <ds:schemaRef ds:uri="http://purl.org/dc/elements/1.1/"/>
-    <ds:schemaRef ds:uri="http://purl.org/dc/terms/"/>
-    <ds:schemaRef ds:uri="http://schemas.microsoft.com/internal/obd"/>
+    <ds:schemaRef ds:uri="http://schemas.microsoft.com/sharepoint/v3/contenttype/forms"/>
   </ds:schemaRefs>
 </ds:datastoreItem>
 </file>